--- a/Slides.pptx
+++ b/Slides.pptx
@@ -816,6 +816,17 @@
               <a:rPr lang="en-US" dirty="0"/>
               <a:t>We used the Network from the last practice class</a:t>
             </a:r>
+          </a:p>
+          <a:p>
+            <a:r>
+              <a:rPr lang="en-US" dirty="0"/>
+              <a:t>What the Network does: Takes articles and their type as input and learns to predict type </a:t>
+            </a:r>
+            <a:r>
+              <a:rPr lang="en-US"/>
+              <a:t>of article.</a:t>
+            </a:r>
+            <a:endParaRPr lang="en-US" dirty="0"/>
           </a:p>
         </p:txBody>
       </p:sp>
